--- a/PID_Design.pptx
+++ b/PID_Design.pptx
@@ -6,11 +6,12 @@
   </p:sldMasterIdLst>
   <p:sldIdLst>
     <p:sldId id="256" r:id="rId5"/>
-    <p:sldId id="260" r:id="rId6"/>
-    <p:sldId id="258" r:id="rId7"/>
-    <p:sldId id="259" r:id="rId8"/>
-    <p:sldId id="261" r:id="rId9"/>
-    <p:sldId id="262" r:id="rId10"/>
+    <p:sldId id="263" r:id="rId6"/>
+    <p:sldId id="260" r:id="rId7"/>
+    <p:sldId id="258" r:id="rId8"/>
+    <p:sldId id="259" r:id="rId9"/>
+    <p:sldId id="261" r:id="rId10"/>
+    <p:sldId id="262" r:id="rId11"/>
   </p:sldIdLst>
   <p:sldSz cx="12192000" cy="6858000"/>
   <p:notesSz cx="6858000" cy="9144000"/>
@@ -3380,7 +3381,22 @@
           <a:bodyPr/>
           <a:lstStyle/>
           <a:p>
-            <a:endParaRPr lang="en-US" dirty="0"/>
+            <a:r>
+              <a:rPr lang="en-US" dirty="0"/>
+              <a:t>Tyler Woodley</a:t>
+            </a:r>
+          </a:p>
+          <a:p>
+            <a:r>
+              <a:rPr lang="en-US" dirty="0"/>
+              <a:t>Application Engineer – Welty Automation</a:t>
+            </a:r>
+          </a:p>
+          <a:p>
+            <a:r>
+              <a:rPr lang="en-US" dirty="0"/>
+              <a:t>Tyler@WeltyAutomation.com</a:t>
+            </a:r>
           </a:p>
         </p:txBody>
       </p:sp>
@@ -3398,6 +3414,124 @@
 </file>
 
 <file path=ppt/slides/slide2.xml><?xml version="1.0" encoding="utf-8"?>
+<p:sld xmlns:a="http://schemas.openxmlformats.org/drawingml/2006/main" xmlns:r="http://schemas.openxmlformats.org/officeDocument/2006/relationships" xmlns:p="http://schemas.openxmlformats.org/presentationml/2006/main">
+  <p:cSld>
+    <p:spTree>
+      <p:nvGrpSpPr>
+        <p:cNvPr id="1" name=""/>
+        <p:cNvGrpSpPr/>
+        <p:nvPr/>
+      </p:nvGrpSpPr>
+      <p:grpSpPr>
+        <a:xfrm>
+          <a:off x="0" y="0"/>
+          <a:ext cx="0" cy="0"/>
+          <a:chOff x="0" y="0"/>
+          <a:chExt cx="0" cy="0"/>
+        </a:xfrm>
+      </p:grpSpPr>
+      <p:sp>
+        <p:nvSpPr>
+          <p:cNvPr id="2" name="Title 1">
+            <a:extLst>
+              <a:ext uri="{FF2B5EF4-FFF2-40B4-BE49-F238E27FC236}">
+                <a16:creationId xmlns:a16="http://schemas.microsoft.com/office/drawing/2014/main" id="{5B26A966-FEF1-4D31-AAAC-C253489E3AA3}"/>
+              </a:ext>
+            </a:extLst>
+          </p:cNvPr>
+          <p:cNvSpPr>
+            <a:spLocks noGrp="1"/>
+          </p:cNvSpPr>
+          <p:nvPr>
+            <p:ph type="title"/>
+          </p:nvPr>
+        </p:nvSpPr>
+        <p:spPr/>
+        <p:txBody>
+          <a:bodyPr/>
+          <a:lstStyle/>
+          <a:p>
+            <a:endParaRPr lang="en-US"/>
+          </a:p>
+        </p:txBody>
+      </p:sp>
+      <p:sp>
+        <p:nvSpPr>
+          <p:cNvPr id="3" name="Content Placeholder 2">
+            <a:extLst>
+              <a:ext uri="{FF2B5EF4-FFF2-40B4-BE49-F238E27FC236}">
+                <a16:creationId xmlns:a16="http://schemas.microsoft.com/office/drawing/2014/main" id="{7556F66D-5927-4E67-836F-E1EDA53A91F1}"/>
+              </a:ext>
+            </a:extLst>
+          </p:cNvPr>
+          <p:cNvSpPr>
+            <a:spLocks noGrp="1"/>
+          </p:cNvSpPr>
+          <p:nvPr>
+            <p:ph idx="1"/>
+          </p:nvPr>
+        </p:nvSpPr>
+        <p:spPr/>
+        <p:txBody>
+          <a:bodyPr/>
+          <a:lstStyle/>
+          <a:p>
+            <a:r>
+              <a:rPr lang="en-US" dirty="0"/>
+              <a:t>Charts: on/off</a:t>
+            </a:r>
+          </a:p>
+          <a:p>
+            <a:r>
+              <a:rPr lang="en-US" dirty="0"/>
+              <a:t>Pout</a:t>
+            </a:r>
+          </a:p>
+          <a:p>
+            <a:r>
+              <a:rPr lang="en-US" dirty="0" err="1"/>
+              <a:t>Tem</a:t>
+            </a:r>
+            <a:endParaRPr lang="en-US" dirty="0"/>
+          </a:p>
+          <a:p>
+            <a:endParaRPr lang="en-US" dirty="0"/>
+          </a:p>
+          <a:p>
+            <a:r>
+              <a:rPr lang="en-US" dirty="0"/>
+              <a:t>PWM</a:t>
+            </a:r>
+          </a:p>
+          <a:p>
+            <a:endParaRPr lang="en-US" dirty="0"/>
+          </a:p>
+          <a:p>
+            <a:r>
+              <a:rPr lang="en-US" dirty="0" err="1"/>
+              <a:t>MpTemp</a:t>
+            </a:r>
+            <a:r>
+              <a:rPr lang="en-US" dirty="0"/>
+              <a:t> block timing requirements</a:t>
+            </a:r>
+          </a:p>
+        </p:txBody>
+      </p:sp>
+    </p:spTree>
+    <p:extLst>
+      <p:ext uri="{BB962C8B-B14F-4D97-AF65-F5344CB8AC3E}">
+        <p14:creationId xmlns:p14="http://schemas.microsoft.com/office/powerpoint/2010/main" val="530221543"/>
+      </p:ext>
+    </p:extLst>
+  </p:cSld>
+  <p:clrMapOvr>
+    <a:masterClrMapping/>
+  </p:clrMapOvr>
+</p:sld>
+</file>
+
+<file path=ppt/slides/slide3.xml><?xml version="1.0" encoding="utf-8"?>
 <p:sld xmlns:a="http://schemas.openxmlformats.org/drawingml/2006/main" xmlns:r="http://schemas.openxmlformats.org/officeDocument/2006/relationships" xmlns:p="http://schemas.openxmlformats.org/presentationml/2006/main">
   <p:cSld>
     <p:spTree>
@@ -3466,7 +3600,7 @@
         <p:spPr>
           <a:xfrm>
             <a:off x="261504" y="1430770"/>
-            <a:ext cx="2829791" cy="1925493"/>
+            <a:ext cx="3256685" cy="1925493"/>
           </a:xfrm>
         </p:spPr>
         <p:txBody>
@@ -3476,38 +3610,38 @@
           <a:lstStyle/>
           <a:p>
             <a:r>
-              <a:rPr lang="en-US" sz="1600" dirty="0" err="1"/>
+              <a:rPr lang="en-US" sz="1400" b="1" dirty="0" err="1"/>
               <a:t>MpBase</a:t>
             </a:r>
-            <a:endParaRPr lang="en-US" sz="1600" dirty="0"/>
-          </a:p>
-          <a:p>
-            <a:r>
-              <a:rPr lang="en-US" sz="1600" dirty="0" err="1"/>
+            <a:endParaRPr lang="en-US" sz="1400" b="1" dirty="0"/>
+          </a:p>
+          <a:p>
+            <a:r>
+              <a:rPr lang="en-US" sz="1400" b="1" dirty="0" err="1"/>
               <a:t>MpAlarmX</a:t>
             </a:r>
-            <a:endParaRPr lang="en-US" sz="1600" dirty="0"/>
-          </a:p>
-          <a:p>
-            <a:r>
-              <a:rPr lang="en-US" sz="1600" dirty="0" err="1"/>
+            <a:endParaRPr lang="en-US" sz="1400" b="1" dirty="0"/>
+          </a:p>
+          <a:p>
+            <a:r>
+              <a:rPr lang="en-US" sz="1400" b="1" dirty="0" err="1"/>
               <a:t>MpTemp</a:t>
             </a:r>
-            <a:endParaRPr lang="en-US" sz="1600" dirty="0"/>
-          </a:p>
-          <a:p>
-            <a:r>
-              <a:rPr lang="en-US" sz="1600" dirty="0" err="1"/>
+            <a:endParaRPr lang="en-US" sz="1400" b="1" dirty="0"/>
+          </a:p>
+          <a:p>
+            <a:r>
+              <a:rPr lang="en-US" sz="1400" b="1" dirty="0" err="1"/>
               <a:t>MTTemp</a:t>
             </a:r>
-            <a:endParaRPr lang="en-US" sz="1600" dirty="0"/>
-          </a:p>
-          <a:p>
-            <a:r>
-              <a:rPr lang="en-US" sz="1600" dirty="0" err="1"/>
+            <a:endParaRPr lang="en-US" sz="1400" b="1" dirty="0"/>
+          </a:p>
+          <a:p>
+            <a:r>
+              <a:rPr lang="en-US" sz="1400" b="1" dirty="0" err="1"/>
               <a:t>MTBasics</a:t>
             </a:r>
-            <a:endParaRPr lang="en-US" sz="1400" dirty="0"/>
+            <a:endParaRPr lang="en-US" sz="1400" b="1" dirty="0"/>
           </a:p>
         </p:txBody>
       </p:sp>
@@ -3563,7 +3697,7 @@
         <p:spPr>
           <a:xfrm>
             <a:off x="3001240" y="1430770"/>
-            <a:ext cx="2829791" cy="3103130"/>
+            <a:ext cx="3256685" cy="5122430"/>
           </a:xfrm>
           <a:prstGeom prst="rect">
             <a:avLst/>
@@ -3739,91 +3873,145 @@
           </a:lstStyle>
           <a:p>
             <a:r>
+              <a:rPr lang="en-US" sz="1400" b="1" dirty="0" err="1"/>
+              <a:t>MpAlarmX</a:t>
+            </a:r>
+            <a:endParaRPr lang="en-US" sz="1400" b="1" dirty="0"/>
+          </a:p>
+          <a:p>
+            <a:pPr lvl="1"/>
+            <a:r>
               <a:rPr lang="en-US" sz="1400" dirty="0" err="1"/>
-              <a:t>MpAlarmX</a:t>
+              <a:t>MpAlarmXCore</a:t>
             </a:r>
             <a:endParaRPr lang="en-US" sz="1400" dirty="0"/>
           </a:p>
           <a:p>
+            <a:pPr lvl="1"/>
             <a:r>
               <a:rPr lang="en-US" sz="1400" dirty="0" err="1"/>
+              <a:t>MpAlarmXListUI</a:t>
+            </a:r>
+            <a:endParaRPr lang="en-US" sz="1400" dirty="0"/>
+          </a:p>
+          <a:p>
+            <a:pPr lvl="1"/>
+            <a:r>
+              <a:rPr lang="en-US" sz="1400" dirty="0" err="1"/>
+              <a:t>MpAlarmXListUISetupType</a:t>
+            </a:r>
+            <a:endParaRPr lang="en-US" sz="1400" dirty="0"/>
+          </a:p>
+          <a:p>
+            <a:pPr lvl="1"/>
+            <a:r>
+              <a:rPr lang="en-US" sz="1400" dirty="0" err="1"/>
+              <a:t>MpAlarmXListUIConnectType</a:t>
+            </a:r>
+            <a:endParaRPr lang="en-US" sz="1400" dirty="0"/>
+          </a:p>
+          <a:p>
+            <a:pPr lvl="1"/>
+            <a:r>
+              <a:rPr lang="en-US" sz="1400" dirty="0" err="1"/>
+              <a:t>MpAlarmXSet</a:t>
+            </a:r>
+            <a:r>
+              <a:rPr lang="en-US" sz="1400" dirty="0"/>
+              <a:t>()</a:t>
+            </a:r>
+          </a:p>
+          <a:p>
+            <a:pPr lvl="1"/>
+            <a:r>
+              <a:rPr lang="en-US" sz="1400" dirty="0" err="1"/>
+              <a:t>MpAlarmXReset</a:t>
+            </a:r>
+            <a:r>
+              <a:rPr lang="en-US" sz="1400" dirty="0"/>
+              <a:t>()</a:t>
+            </a:r>
+          </a:p>
+          <a:p>
+            <a:r>
+              <a:rPr lang="en-US" sz="1400" b="1" dirty="0" err="1"/>
               <a:t>MpTemp</a:t>
             </a:r>
+            <a:endParaRPr lang="en-US" sz="1400" b="1" dirty="0"/>
+          </a:p>
+          <a:p>
+            <a:pPr lvl="1"/>
+            <a:r>
+              <a:rPr lang="en-US" sz="1400" dirty="0" err="1"/>
+              <a:t>MpTempGroup</a:t>
+            </a:r>
             <a:endParaRPr lang="en-US" sz="1400" dirty="0"/>
           </a:p>
           <a:p>
             <a:pPr lvl="1"/>
             <a:r>
-              <a:rPr lang="en-US" sz="1100" dirty="0" err="1"/>
-              <a:t>MpTempGroup</a:t>
-            </a:r>
-            <a:endParaRPr lang="en-US" sz="1100" dirty="0"/>
+              <a:rPr lang="en-US" sz="1400" dirty="0" err="1"/>
+              <a:t>MpTempController</a:t>
+            </a:r>
+            <a:endParaRPr lang="en-US" sz="1400" dirty="0"/>
           </a:p>
           <a:p>
             <a:pPr lvl="1"/>
             <a:r>
-              <a:rPr lang="en-US" sz="1100" dirty="0" err="1"/>
-              <a:t>MpTempController</a:t>
-            </a:r>
-            <a:endParaRPr lang="en-US" sz="1100" dirty="0"/>
+              <a:rPr lang="en-US" sz="1400" dirty="0" err="1"/>
+              <a:t>MpTempControllerParType</a:t>
+            </a:r>
+            <a:endParaRPr lang="en-US" sz="1400" dirty="0"/>
           </a:p>
           <a:p>
             <a:pPr lvl="1"/>
             <a:r>
-              <a:rPr lang="en-US" sz="1100" dirty="0" err="1"/>
-              <a:t>MpTempControllerParType</a:t>
-            </a:r>
-            <a:endParaRPr lang="en-US" sz="1100" dirty="0"/>
+              <a:rPr lang="en-US" sz="1400" dirty="0" err="1"/>
+              <a:t>MpTempControllerInfoType</a:t>
+            </a:r>
+            <a:endParaRPr lang="en-US" sz="1400" dirty="0"/>
+          </a:p>
+          <a:p>
+            <a:r>
+              <a:rPr lang="en-US" sz="1400" b="1" dirty="0" err="1"/>
+              <a:t>MTTemp</a:t>
+            </a:r>
+            <a:endParaRPr lang="en-US" sz="1400" b="1" dirty="0"/>
           </a:p>
           <a:p>
             <a:pPr lvl="1"/>
             <a:r>
-              <a:rPr lang="en-US" sz="1100" dirty="0" err="1"/>
-              <a:t>MpTempControllerInfoType</a:t>
-            </a:r>
-            <a:endParaRPr lang="en-US" sz="1100" dirty="0"/>
-          </a:p>
-          <a:p>
-            <a:r>
               <a:rPr lang="en-US" sz="1400" dirty="0" err="1"/>
-              <a:t>MTTemp</a:t>
+              <a:t>MTTempController</a:t>
             </a:r>
             <a:endParaRPr lang="en-US" sz="1400" dirty="0"/>
           </a:p>
           <a:p>
             <a:pPr lvl="1"/>
             <a:r>
-              <a:rPr lang="en-US" sz="1100" dirty="0" err="1"/>
-              <a:t>MTTempController</a:t>
-            </a:r>
-            <a:endParaRPr lang="en-US" sz="1100" dirty="0"/>
+              <a:rPr lang="en-US" sz="1400" dirty="0" err="1"/>
+              <a:t>MTPIDParametersType</a:t>
+            </a:r>
+            <a:endParaRPr lang="en-US" sz="1400" dirty="0"/>
+          </a:p>
+          <a:p>
+            <a:r>
+              <a:rPr lang="en-US" sz="1400" b="1" dirty="0" err="1"/>
+              <a:t>MTBasics</a:t>
+            </a:r>
+            <a:endParaRPr lang="en-US" sz="1400" b="1" dirty="0"/>
           </a:p>
           <a:p>
             <a:pPr lvl="1"/>
             <a:r>
-              <a:rPr lang="en-US" sz="1100" dirty="0" err="1"/>
-              <a:t>MTPIDParametersType</a:t>
-            </a:r>
-            <a:endParaRPr lang="en-US" sz="1100" dirty="0"/>
-          </a:p>
-          <a:p>
-            <a:r>
               <a:rPr lang="en-US" sz="1400" dirty="0" err="1"/>
-              <a:t>MTBasics</a:t>
+              <a:t>MTBasicsOscillationTuning</a:t>
             </a:r>
             <a:endParaRPr lang="en-US" sz="1400" dirty="0"/>
           </a:p>
           <a:p>
             <a:pPr lvl="1"/>
-            <a:r>
-              <a:rPr lang="en-US" sz="1100" dirty="0" err="1"/>
-              <a:t>MTBasicsOscillationTuning</a:t>
-            </a:r>
-            <a:endParaRPr lang="en-US" sz="1000" dirty="0"/>
-          </a:p>
-          <a:p>
-            <a:pPr lvl="1"/>
-            <a:endParaRPr lang="en-US" sz="1100" dirty="0"/>
+            <a:endParaRPr lang="en-US" sz="1400" dirty="0"/>
           </a:p>
         </p:txBody>
       </p:sp>
@@ -3841,8 +4029,8 @@
         </p:nvSpPr>
         <p:spPr>
           <a:xfrm>
-            <a:off x="3001240" y="969106"/>
-            <a:ext cx="2526724" cy="461665"/>
+            <a:off x="2893219" y="969105"/>
+            <a:ext cx="4334740" cy="461665"/>
           </a:xfrm>
           <a:prstGeom prst="rect">
             <a:avLst/>
@@ -3857,7 +4045,7 @@
           <a:p>
             <a:r>
               <a:rPr lang="en-US" sz="2400" dirty="0"/>
-              <a:t>Function Blocks:</a:t>
+              <a:t>Function Blocks/Functions/Types:</a:t>
             </a:r>
           </a:p>
         </p:txBody>
@@ -3878,8 +4066,8 @@
         </p:nvSpPr>
         <p:spPr>
           <a:xfrm>
-            <a:off x="6744565" y="1430770"/>
-            <a:ext cx="2829791" cy="3103130"/>
+            <a:off x="7800325" y="1430769"/>
+            <a:ext cx="3256685" cy="3103130"/>
           </a:xfrm>
           <a:prstGeom prst="rect">
             <a:avLst/>
@@ -4055,31 +4243,31 @@
           </a:lstStyle>
           <a:p>
             <a:r>
-              <a:rPr lang="en-US" sz="1400"/>
+              <a:rPr lang="en-US" sz="1400" b="1" dirty="0" err="1"/>
               <a:t>MainCtrl</a:t>
             </a:r>
-            <a:endParaRPr lang="en-US" sz="1400" dirty="0"/>
-          </a:p>
-          <a:p>
-            <a:r>
-              <a:rPr lang="en-US" sz="1400" dirty="0" err="1"/>
+            <a:endParaRPr lang="en-US" sz="1400" b="1" dirty="0"/>
+          </a:p>
+          <a:p>
+            <a:r>
+              <a:rPr lang="en-US" sz="1400" b="1" dirty="0" err="1"/>
               <a:t>TempCtrl</a:t>
             </a:r>
-            <a:endParaRPr lang="en-US" sz="1100" dirty="0"/>
-          </a:p>
-          <a:p>
-            <a:r>
-              <a:rPr lang="en-US" sz="1400" dirty="0" err="1"/>
+            <a:endParaRPr lang="en-US" sz="1400" b="1" dirty="0"/>
+          </a:p>
+          <a:p>
+            <a:r>
+              <a:rPr lang="en-US" sz="1400" b="1" dirty="0" err="1"/>
               <a:t>RecipeCtrl</a:t>
             </a:r>
-            <a:endParaRPr lang="en-US" sz="1400" dirty="0"/>
-          </a:p>
-          <a:p>
-            <a:r>
-              <a:rPr lang="en-US" sz="1400" dirty="0" err="1"/>
+            <a:endParaRPr lang="en-US" sz="1400" b="1" dirty="0"/>
+          </a:p>
+          <a:p>
+            <a:r>
+              <a:rPr lang="en-US" sz="1400" b="1" dirty="0" err="1"/>
               <a:t>VisCtrl</a:t>
             </a:r>
-            <a:endParaRPr lang="en-US" sz="1200" dirty="0"/>
+            <a:endParaRPr lang="en-US" sz="1400" b="1" dirty="0"/>
           </a:p>
         </p:txBody>
       </p:sp>
@@ -4097,7 +4285,7 @@
         </p:nvSpPr>
         <p:spPr>
           <a:xfrm>
-            <a:off x="6744565" y="969106"/>
+            <a:off x="7800325" y="969105"/>
             <a:ext cx="2526724" cy="461665"/>
           </a:xfrm>
           <a:prstGeom prst="rect">
@@ -4131,7 +4319,7 @@
 </p:sld>
 </file>
 
-<file path=ppt/slides/slide3.xml><?xml version="1.0" encoding="utf-8"?>
+<file path=ppt/slides/slide4.xml><?xml version="1.0" encoding="utf-8"?>
 <p:sld xmlns:a="http://schemas.openxmlformats.org/drawingml/2006/main" xmlns:r="http://schemas.openxmlformats.org/officeDocument/2006/relationships" xmlns:p="http://schemas.openxmlformats.org/presentationml/2006/main">
   <p:cSld>
     <p:spTree>
@@ -4458,7 +4646,7 @@
 </p:sld>
 </file>
 
-<file path=ppt/slides/slide4.xml><?xml version="1.0" encoding="utf-8"?>
+<file path=ppt/slides/slide5.xml><?xml version="1.0" encoding="utf-8"?>
 <p:sld xmlns:a="http://schemas.openxmlformats.org/drawingml/2006/main" xmlns:r="http://schemas.openxmlformats.org/officeDocument/2006/relationships" xmlns:p="http://schemas.openxmlformats.org/presentationml/2006/main">
   <p:cSld>
     <p:spTree>
@@ -5958,6 +6146,42 @@
           </p:txBody>
         </p:sp>
       </p:grpSp>
+      <p:cxnSp>
+        <p:nvCxnSpPr>
+          <p:cNvPr id="262" name="Straight Connector 261">
+            <a:extLst>
+              <a:ext uri="{FF2B5EF4-FFF2-40B4-BE49-F238E27FC236}">
+                <a16:creationId xmlns:a16="http://schemas.microsoft.com/office/drawing/2014/main" id="{E0D10E2E-0314-4900-BDEC-C28C06E0174D}"/>
+              </a:ext>
+            </a:extLst>
+          </p:cNvPr>
+          <p:cNvCxnSpPr/>
+          <p:nvPr/>
+        </p:nvCxnSpPr>
+        <p:spPr>
+          <a:xfrm>
+            <a:off x="2578982" y="4200525"/>
+            <a:ext cx="7034036" cy="733425"/>
+          </a:xfrm>
+          <a:prstGeom prst="line">
+            <a:avLst/>
+          </a:prstGeom>
+        </p:spPr>
+        <p:style>
+          <a:lnRef idx="1">
+            <a:schemeClr val="accent1"/>
+          </a:lnRef>
+          <a:fillRef idx="0">
+            <a:schemeClr val="accent1"/>
+          </a:fillRef>
+          <a:effectRef idx="0">
+            <a:schemeClr val="accent1"/>
+          </a:effectRef>
+          <a:fontRef idx="minor">
+            <a:schemeClr val="tx1"/>
+          </a:fontRef>
+        </p:style>
+      </p:cxnSp>
     </p:spTree>
     <p:extLst>
       <p:ext uri="{BB962C8B-B14F-4D97-AF65-F5344CB8AC3E}">
@@ -5971,7 +6195,7 @@
 </p:sld>
 </file>
 
-<file path=ppt/slides/slide5.xml><?xml version="1.0" encoding="utf-8"?>
+<file path=ppt/slides/slide6.xml><?xml version="1.0" encoding="utf-8"?>
 <p:sld xmlns:a="http://schemas.openxmlformats.org/drawingml/2006/main" xmlns:r="http://schemas.openxmlformats.org/officeDocument/2006/relationships" xmlns:p="http://schemas.openxmlformats.org/presentationml/2006/main">
   <p:cSld>
     <p:spTree>
@@ -7209,7 +7433,7 @@
 </p:sld>
 </file>
 
-<file path=ppt/slides/slide6.xml><?xml version="1.0" encoding="utf-8"?>
+<file path=ppt/slides/slide7.xml><?xml version="1.0" encoding="utf-8"?>
 <p:sld xmlns:a="http://schemas.openxmlformats.org/drawingml/2006/main" xmlns:r="http://schemas.openxmlformats.org/officeDocument/2006/relationships" xmlns:p="http://schemas.openxmlformats.org/presentationml/2006/main">
   <p:cSld>
     <p:spTree>

--- a/PID_Design.pptx
+++ b/PID_Design.pptx
@@ -12,6 +12,7 @@
     <p:sldId id="259" r:id="rId9"/>
     <p:sldId id="261" r:id="rId10"/>
     <p:sldId id="262" r:id="rId11"/>
+    <p:sldId id="264" r:id="rId12"/>
   </p:sldIdLst>
   <p:sldSz cx="12192000" cy="6858000"/>
   <p:notesSz cx="6858000" cy="9144000"/>
@@ -265,7 +266,7 @@
           <a:p>
             <a:fld id="{7E106068-392C-42C8-B1D7-1DB4C191EA1E}" type="datetimeFigureOut">
               <a:rPr lang="en-US" smtClean="0"/>
-              <a:t>7/27/2020</a:t>
+              <a:t>8/2/2020</a:t>
             </a:fld>
             <a:endParaRPr lang="en-US"/>
           </a:p>
@@ -463,7 +464,7 @@
           <a:p>
             <a:fld id="{7E106068-392C-42C8-B1D7-1DB4C191EA1E}" type="datetimeFigureOut">
               <a:rPr lang="en-US" smtClean="0"/>
-              <a:t>7/27/2020</a:t>
+              <a:t>8/2/2020</a:t>
             </a:fld>
             <a:endParaRPr lang="en-US"/>
           </a:p>
@@ -671,7 +672,7 @@
           <a:p>
             <a:fld id="{7E106068-392C-42C8-B1D7-1DB4C191EA1E}" type="datetimeFigureOut">
               <a:rPr lang="en-US" smtClean="0"/>
-              <a:t>7/27/2020</a:t>
+              <a:t>8/2/2020</a:t>
             </a:fld>
             <a:endParaRPr lang="en-US"/>
           </a:p>
@@ -869,7 +870,7 @@
           <a:p>
             <a:fld id="{7E106068-392C-42C8-B1D7-1DB4C191EA1E}" type="datetimeFigureOut">
               <a:rPr lang="en-US" smtClean="0"/>
-              <a:t>7/27/2020</a:t>
+              <a:t>8/2/2020</a:t>
             </a:fld>
             <a:endParaRPr lang="en-US"/>
           </a:p>
@@ -1144,7 +1145,7 @@
           <a:p>
             <a:fld id="{7E106068-392C-42C8-B1D7-1DB4C191EA1E}" type="datetimeFigureOut">
               <a:rPr lang="en-US" smtClean="0"/>
-              <a:t>7/27/2020</a:t>
+              <a:t>8/2/2020</a:t>
             </a:fld>
             <a:endParaRPr lang="en-US"/>
           </a:p>
@@ -1409,7 +1410,7 @@
           <a:p>
             <a:fld id="{7E106068-392C-42C8-B1D7-1DB4C191EA1E}" type="datetimeFigureOut">
               <a:rPr lang="en-US" smtClean="0"/>
-              <a:t>7/27/2020</a:t>
+              <a:t>8/2/2020</a:t>
             </a:fld>
             <a:endParaRPr lang="en-US"/>
           </a:p>
@@ -1821,7 +1822,7 @@
           <a:p>
             <a:fld id="{7E106068-392C-42C8-B1D7-1DB4C191EA1E}" type="datetimeFigureOut">
               <a:rPr lang="en-US" smtClean="0"/>
-              <a:t>7/27/2020</a:t>
+              <a:t>8/2/2020</a:t>
             </a:fld>
             <a:endParaRPr lang="en-US"/>
           </a:p>
@@ -1962,7 +1963,7 @@
           <a:p>
             <a:fld id="{7E106068-392C-42C8-B1D7-1DB4C191EA1E}" type="datetimeFigureOut">
               <a:rPr lang="en-US" smtClean="0"/>
-              <a:t>7/27/2020</a:t>
+              <a:t>8/2/2020</a:t>
             </a:fld>
             <a:endParaRPr lang="en-US"/>
           </a:p>
@@ -2075,7 +2076,7 @@
           <a:p>
             <a:fld id="{7E106068-392C-42C8-B1D7-1DB4C191EA1E}" type="datetimeFigureOut">
               <a:rPr lang="en-US" smtClean="0"/>
-              <a:t>7/27/2020</a:t>
+              <a:t>8/2/2020</a:t>
             </a:fld>
             <a:endParaRPr lang="en-US"/>
           </a:p>
@@ -2386,7 +2387,7 @@
           <a:p>
             <a:fld id="{7E106068-392C-42C8-B1D7-1DB4C191EA1E}" type="datetimeFigureOut">
               <a:rPr lang="en-US" smtClean="0"/>
-              <a:t>7/27/2020</a:t>
+              <a:t>8/2/2020</a:t>
             </a:fld>
             <a:endParaRPr lang="en-US"/>
           </a:p>
@@ -2674,7 +2675,7 @@
           <a:p>
             <a:fld id="{7E106068-392C-42C8-B1D7-1DB4C191EA1E}" type="datetimeFigureOut">
               <a:rPr lang="en-US" smtClean="0"/>
-              <a:t>7/27/2020</a:t>
+              <a:t>8/2/2020</a:t>
             </a:fld>
             <a:endParaRPr lang="en-US"/>
           </a:p>
@@ -2915,7 +2916,7 @@
           <a:p>
             <a:fld id="{7E106068-392C-42C8-B1D7-1DB4C191EA1E}" type="datetimeFigureOut">
               <a:rPr lang="en-US" smtClean="0"/>
-              <a:t>7/27/2020</a:t>
+              <a:t>8/2/2020</a:t>
             </a:fld>
             <a:endParaRPr lang="en-US"/>
           </a:p>
@@ -8277,6 +8278,642 @@
 </p:sld>
 </file>
 
+<file path=ppt/slides/slide8.xml><?xml version="1.0" encoding="utf-8"?>
+<p:sld xmlns:a="http://schemas.openxmlformats.org/drawingml/2006/main" xmlns:r="http://schemas.openxmlformats.org/officeDocument/2006/relationships" xmlns:p="http://schemas.openxmlformats.org/presentationml/2006/main">
+  <p:cSld>
+    <p:spTree>
+      <p:nvGrpSpPr>
+        <p:cNvPr id="1" name=""/>
+        <p:cNvGrpSpPr/>
+        <p:nvPr/>
+      </p:nvGrpSpPr>
+      <p:grpSpPr>
+        <a:xfrm>
+          <a:off x="0" y="0"/>
+          <a:ext cx="0" cy="0"/>
+          <a:chOff x="0" y="0"/>
+          <a:chExt cx="0" cy="0"/>
+        </a:xfrm>
+      </p:grpSpPr>
+      <p:sp>
+        <p:nvSpPr>
+          <p:cNvPr id="31" name="Rectangle 30">
+            <a:extLst>
+              <a:ext uri="{FF2B5EF4-FFF2-40B4-BE49-F238E27FC236}">
+                <a16:creationId xmlns:a16="http://schemas.microsoft.com/office/drawing/2014/main" id="{CDC2FFCE-CD12-4E1B-8D7B-75CB90F0A8F1}"/>
+              </a:ext>
+            </a:extLst>
+          </p:cNvPr>
+          <p:cNvSpPr/>
+          <p:nvPr/>
+        </p:nvSpPr>
+        <p:spPr>
+          <a:xfrm>
+            <a:off x="4283152" y="5269744"/>
+            <a:ext cx="3067397" cy="804413"/>
+          </a:xfrm>
+          <a:prstGeom prst="rect">
+            <a:avLst/>
+          </a:prstGeom>
+        </p:spPr>
+        <p:style>
+          <a:lnRef idx="2">
+            <a:schemeClr val="accent1">
+              <a:shade val="50000"/>
+            </a:schemeClr>
+          </a:lnRef>
+          <a:fillRef idx="1">
+            <a:schemeClr val="accent1"/>
+          </a:fillRef>
+          <a:effectRef idx="0">
+            <a:schemeClr val="accent1"/>
+          </a:effectRef>
+          <a:fontRef idx="minor">
+            <a:schemeClr val="lt1"/>
+          </a:fontRef>
+        </p:style>
+        <p:txBody>
+          <a:bodyPr rtlCol="0" anchor="ctr"/>
+          <a:lstStyle/>
+          <a:p>
+            <a:pPr algn="ctr"/>
+            <a:r>
+              <a:rPr lang="en-US" dirty="0" err="1"/>
+              <a:t>Vis.TempInterface</a:t>
+            </a:r>
+            <a:endParaRPr lang="en-US" dirty="0"/>
+          </a:p>
+        </p:txBody>
+      </p:sp>
+      <p:sp>
+        <p:nvSpPr>
+          <p:cNvPr id="32" name="Rectangle 31">
+            <a:extLst>
+              <a:ext uri="{FF2B5EF4-FFF2-40B4-BE49-F238E27FC236}">
+                <a16:creationId xmlns:a16="http://schemas.microsoft.com/office/drawing/2014/main" id="{E1D5DC65-4C7D-41E1-8CFD-7FDA958D3F84}"/>
+              </a:ext>
+            </a:extLst>
+          </p:cNvPr>
+          <p:cNvSpPr/>
+          <p:nvPr/>
+        </p:nvSpPr>
+        <p:spPr>
+          <a:xfrm>
+            <a:off x="4283155" y="240416"/>
+            <a:ext cx="3067397" cy="804413"/>
+          </a:xfrm>
+          <a:prstGeom prst="rect">
+            <a:avLst/>
+          </a:prstGeom>
+        </p:spPr>
+        <p:style>
+          <a:lnRef idx="2">
+            <a:schemeClr val="accent1">
+              <a:shade val="50000"/>
+            </a:schemeClr>
+          </a:lnRef>
+          <a:fillRef idx="1">
+            <a:schemeClr val="accent1"/>
+          </a:fillRef>
+          <a:effectRef idx="0">
+            <a:schemeClr val="accent1"/>
+          </a:effectRef>
+          <a:fontRef idx="minor">
+            <a:schemeClr val="lt1"/>
+          </a:fontRef>
+        </p:style>
+        <p:txBody>
+          <a:bodyPr rtlCol="0" anchor="ctr"/>
+          <a:lstStyle/>
+          <a:p>
+            <a:pPr algn="ctr"/>
+            <a:r>
+              <a:rPr lang="en-US" dirty="0" err="1"/>
+              <a:t>gTempInterface</a:t>
+            </a:r>
+            <a:endParaRPr lang="en-US" dirty="0"/>
+          </a:p>
+        </p:txBody>
+      </p:sp>
+      <p:sp>
+        <p:nvSpPr>
+          <p:cNvPr id="33" name="Rectangle 32">
+            <a:extLst>
+              <a:ext uri="{FF2B5EF4-FFF2-40B4-BE49-F238E27FC236}">
+                <a16:creationId xmlns:a16="http://schemas.microsoft.com/office/drawing/2014/main" id="{699AE69E-B22A-4B3C-B7DE-6DA1D752BDCD}"/>
+              </a:ext>
+            </a:extLst>
+          </p:cNvPr>
+          <p:cNvSpPr/>
+          <p:nvPr/>
+        </p:nvSpPr>
+        <p:spPr>
+          <a:xfrm>
+            <a:off x="4283153" y="4012412"/>
+            <a:ext cx="3067397" cy="804413"/>
+          </a:xfrm>
+          <a:prstGeom prst="rect">
+            <a:avLst/>
+          </a:prstGeom>
+        </p:spPr>
+        <p:style>
+          <a:lnRef idx="2">
+            <a:schemeClr val="accent1">
+              <a:shade val="50000"/>
+            </a:schemeClr>
+          </a:lnRef>
+          <a:fillRef idx="1">
+            <a:schemeClr val="accent1"/>
+          </a:fillRef>
+          <a:effectRef idx="0">
+            <a:schemeClr val="accent1"/>
+          </a:effectRef>
+          <a:fontRef idx="minor">
+            <a:schemeClr val="lt1"/>
+          </a:fontRef>
+        </p:style>
+        <p:txBody>
+          <a:bodyPr rtlCol="0" anchor="ctr"/>
+          <a:lstStyle/>
+          <a:p>
+            <a:pPr algn="ctr"/>
+            <a:r>
+              <a:rPr lang="en-US" dirty="0" err="1"/>
+              <a:t>TempGroup</a:t>
+            </a:r>
+            <a:endParaRPr lang="en-US" dirty="0"/>
+          </a:p>
+        </p:txBody>
+      </p:sp>
+      <p:sp>
+        <p:nvSpPr>
+          <p:cNvPr id="34" name="Rectangle 33">
+            <a:extLst>
+              <a:ext uri="{FF2B5EF4-FFF2-40B4-BE49-F238E27FC236}">
+                <a16:creationId xmlns:a16="http://schemas.microsoft.com/office/drawing/2014/main" id="{C66D3815-E7B7-4DC2-8861-F652798723F8}"/>
+              </a:ext>
+            </a:extLst>
+          </p:cNvPr>
+          <p:cNvSpPr/>
+          <p:nvPr/>
+        </p:nvSpPr>
+        <p:spPr>
+          <a:xfrm>
+            <a:off x="4283155" y="1497748"/>
+            <a:ext cx="3067397" cy="804413"/>
+          </a:xfrm>
+          <a:prstGeom prst="rect">
+            <a:avLst/>
+          </a:prstGeom>
+        </p:spPr>
+        <p:style>
+          <a:lnRef idx="2">
+            <a:schemeClr val="accent1">
+              <a:shade val="50000"/>
+            </a:schemeClr>
+          </a:lnRef>
+          <a:fillRef idx="1">
+            <a:schemeClr val="accent1"/>
+          </a:fillRef>
+          <a:effectRef idx="0">
+            <a:schemeClr val="accent1"/>
+          </a:effectRef>
+          <a:fontRef idx="minor">
+            <a:schemeClr val="lt1"/>
+          </a:fontRef>
+        </p:style>
+        <p:txBody>
+          <a:bodyPr rtlCol="0" anchor="ctr"/>
+          <a:lstStyle/>
+          <a:p>
+            <a:pPr algn="ctr"/>
+            <a:r>
+              <a:rPr lang="en-US" dirty="0" err="1"/>
+              <a:t>gTuneRecipe</a:t>
+            </a:r>
+            <a:endParaRPr lang="en-US" dirty="0"/>
+          </a:p>
+        </p:txBody>
+      </p:sp>
+      <p:sp>
+        <p:nvSpPr>
+          <p:cNvPr id="35" name="Rectangle 34">
+            <a:extLst>
+              <a:ext uri="{FF2B5EF4-FFF2-40B4-BE49-F238E27FC236}">
+                <a16:creationId xmlns:a16="http://schemas.microsoft.com/office/drawing/2014/main" id="{01B5B55A-11CE-4D2E-A97B-19CCD6C21547}"/>
+              </a:ext>
+            </a:extLst>
+          </p:cNvPr>
+          <p:cNvSpPr/>
+          <p:nvPr/>
+        </p:nvSpPr>
+        <p:spPr>
+          <a:xfrm>
+            <a:off x="4283154" y="2755080"/>
+            <a:ext cx="3067397" cy="804413"/>
+          </a:xfrm>
+          <a:prstGeom prst="rect">
+            <a:avLst/>
+          </a:prstGeom>
+        </p:spPr>
+        <p:style>
+          <a:lnRef idx="2">
+            <a:schemeClr val="accent1">
+              <a:shade val="50000"/>
+            </a:schemeClr>
+          </a:lnRef>
+          <a:fillRef idx="1">
+            <a:schemeClr val="accent1"/>
+          </a:fillRef>
+          <a:effectRef idx="0">
+            <a:schemeClr val="accent1"/>
+          </a:effectRef>
+          <a:fontRef idx="minor">
+            <a:schemeClr val="lt1"/>
+          </a:fontRef>
+        </p:style>
+        <p:txBody>
+          <a:bodyPr rtlCol="0" anchor="ctr"/>
+          <a:lstStyle/>
+          <a:p>
+            <a:pPr algn="ctr"/>
+            <a:r>
+              <a:rPr lang="en-US" dirty="0" err="1"/>
+              <a:t>gRecipeIO</a:t>
+            </a:r>
+            <a:endParaRPr lang="en-US" dirty="0"/>
+          </a:p>
+        </p:txBody>
+      </p:sp>
+      <p:cxnSp>
+        <p:nvCxnSpPr>
+          <p:cNvPr id="40" name="Straight Arrow Connector 39">
+            <a:extLst>
+              <a:ext uri="{FF2B5EF4-FFF2-40B4-BE49-F238E27FC236}">
+                <a16:creationId xmlns:a16="http://schemas.microsoft.com/office/drawing/2014/main" id="{BE8E02E7-A5CA-4895-9261-5779C78F3780}"/>
+              </a:ext>
+            </a:extLst>
+          </p:cNvPr>
+          <p:cNvCxnSpPr>
+            <a:stCxn id="32" idx="2"/>
+            <a:endCxn id="34" idx="0"/>
+          </p:cNvCxnSpPr>
+          <p:nvPr/>
+        </p:nvCxnSpPr>
+        <p:spPr>
+          <a:xfrm>
+            <a:off x="5816854" y="1044829"/>
+            <a:ext cx="0" cy="452919"/>
+          </a:xfrm>
+          <a:prstGeom prst="straightConnector1">
+            <a:avLst/>
+          </a:prstGeom>
+          <a:ln>
+            <a:tailEnd type="triangle"/>
+          </a:ln>
+        </p:spPr>
+        <p:style>
+          <a:lnRef idx="3">
+            <a:schemeClr val="accent2"/>
+          </a:lnRef>
+          <a:fillRef idx="0">
+            <a:schemeClr val="accent2"/>
+          </a:fillRef>
+          <a:effectRef idx="2">
+            <a:schemeClr val="accent2"/>
+          </a:effectRef>
+          <a:fontRef idx="minor">
+            <a:schemeClr val="tx1"/>
+          </a:fontRef>
+        </p:style>
+      </p:cxnSp>
+      <p:cxnSp>
+        <p:nvCxnSpPr>
+          <p:cNvPr id="116" name="Connector: Elbow 115">
+            <a:extLst>
+              <a:ext uri="{FF2B5EF4-FFF2-40B4-BE49-F238E27FC236}">
+                <a16:creationId xmlns:a16="http://schemas.microsoft.com/office/drawing/2014/main" id="{E967043B-EE86-4EA2-A13A-BDF67F5ABAED}"/>
+              </a:ext>
+            </a:extLst>
+          </p:cNvPr>
+          <p:cNvCxnSpPr>
+            <a:stCxn id="34" idx="3"/>
+            <a:endCxn id="35" idx="3"/>
+          </p:cNvCxnSpPr>
+          <p:nvPr/>
+        </p:nvCxnSpPr>
+        <p:spPr>
+          <a:xfrm flipH="1">
+            <a:off x="7350551" y="1899955"/>
+            <a:ext cx="1" cy="1257332"/>
+          </a:xfrm>
+          <a:prstGeom prst="bentConnector3">
+            <a:avLst>
+              <a:gd name="adj1" fmla="val -22860000000"/>
+            </a:avLst>
+          </a:prstGeom>
+          <a:ln>
+            <a:tailEnd type="triangle"/>
+          </a:ln>
+        </p:spPr>
+        <p:style>
+          <a:lnRef idx="3">
+            <a:schemeClr val="accent2"/>
+          </a:lnRef>
+          <a:fillRef idx="0">
+            <a:schemeClr val="accent2"/>
+          </a:fillRef>
+          <a:effectRef idx="2">
+            <a:schemeClr val="accent2"/>
+          </a:effectRef>
+          <a:fontRef idx="minor">
+            <a:schemeClr val="tx1"/>
+          </a:fontRef>
+        </p:style>
+      </p:cxnSp>
+      <p:cxnSp>
+        <p:nvCxnSpPr>
+          <p:cNvPr id="117" name="Connector: Elbow 116">
+            <a:extLst>
+              <a:ext uri="{FF2B5EF4-FFF2-40B4-BE49-F238E27FC236}">
+                <a16:creationId xmlns:a16="http://schemas.microsoft.com/office/drawing/2014/main" id="{820BF6ED-16A5-47BD-A128-95F20380BC94}"/>
+              </a:ext>
+            </a:extLst>
+          </p:cNvPr>
+          <p:cNvCxnSpPr>
+            <a:cxnSpLocks/>
+            <a:stCxn id="34" idx="3"/>
+            <a:endCxn id="33" idx="3"/>
+          </p:cNvCxnSpPr>
+          <p:nvPr/>
+        </p:nvCxnSpPr>
+        <p:spPr>
+          <a:xfrm flipH="1">
+            <a:off x="7350550" y="1899955"/>
+            <a:ext cx="2" cy="2514664"/>
+          </a:xfrm>
+          <a:prstGeom prst="bentConnector3">
+            <a:avLst>
+              <a:gd name="adj1" fmla="val -11430000000"/>
+            </a:avLst>
+          </a:prstGeom>
+          <a:ln>
+            <a:tailEnd type="triangle"/>
+          </a:ln>
+        </p:spPr>
+        <p:style>
+          <a:lnRef idx="3">
+            <a:schemeClr val="accent2"/>
+          </a:lnRef>
+          <a:fillRef idx="0">
+            <a:schemeClr val="accent2"/>
+          </a:fillRef>
+          <a:effectRef idx="2">
+            <a:schemeClr val="accent2"/>
+          </a:effectRef>
+          <a:fontRef idx="minor">
+            <a:schemeClr val="tx1"/>
+          </a:fontRef>
+        </p:style>
+      </p:cxnSp>
+      <p:cxnSp>
+        <p:nvCxnSpPr>
+          <p:cNvPr id="120" name="Connector: Elbow 119">
+            <a:extLst>
+              <a:ext uri="{FF2B5EF4-FFF2-40B4-BE49-F238E27FC236}">
+                <a16:creationId xmlns:a16="http://schemas.microsoft.com/office/drawing/2014/main" id="{2506593D-310A-4978-8DBB-4F4105C92FE8}"/>
+              </a:ext>
+            </a:extLst>
+          </p:cNvPr>
+          <p:cNvCxnSpPr>
+            <a:cxnSpLocks/>
+            <a:stCxn id="34" idx="3"/>
+            <a:endCxn id="31" idx="3"/>
+          </p:cNvCxnSpPr>
+          <p:nvPr/>
+        </p:nvCxnSpPr>
+        <p:spPr>
+          <a:xfrm flipH="1">
+            <a:off x="7350549" y="1899955"/>
+            <a:ext cx="3" cy="3771996"/>
+          </a:xfrm>
+          <a:prstGeom prst="bentConnector3">
+            <a:avLst>
+              <a:gd name="adj1" fmla="val -7620000000"/>
+            </a:avLst>
+          </a:prstGeom>
+          <a:ln>
+            <a:tailEnd type="triangle"/>
+          </a:ln>
+        </p:spPr>
+        <p:style>
+          <a:lnRef idx="3">
+            <a:schemeClr val="accent2"/>
+          </a:lnRef>
+          <a:fillRef idx="0">
+            <a:schemeClr val="accent2"/>
+          </a:fillRef>
+          <a:effectRef idx="2">
+            <a:schemeClr val="accent2"/>
+          </a:effectRef>
+          <a:fontRef idx="minor">
+            <a:schemeClr val="tx1"/>
+          </a:fontRef>
+        </p:style>
+      </p:cxnSp>
+      <p:cxnSp>
+        <p:nvCxnSpPr>
+          <p:cNvPr id="123" name="Connector: Elbow 122">
+            <a:extLst>
+              <a:ext uri="{FF2B5EF4-FFF2-40B4-BE49-F238E27FC236}">
+                <a16:creationId xmlns:a16="http://schemas.microsoft.com/office/drawing/2014/main" id="{2C133A67-E7F0-42E0-88D8-4172F46B6E0A}"/>
+              </a:ext>
+            </a:extLst>
+          </p:cNvPr>
+          <p:cNvCxnSpPr>
+            <a:cxnSpLocks/>
+            <a:stCxn id="31" idx="1"/>
+            <a:endCxn id="32" idx="1"/>
+          </p:cNvCxnSpPr>
+          <p:nvPr/>
+        </p:nvCxnSpPr>
+        <p:spPr>
+          <a:xfrm rot="10800000" flipH="1">
+            <a:off x="4283151" y="642623"/>
+            <a:ext cx="3" cy="5029328"/>
+          </a:xfrm>
+          <a:prstGeom prst="bentConnector3">
+            <a:avLst>
+              <a:gd name="adj1" fmla="val -7620000000"/>
+            </a:avLst>
+          </a:prstGeom>
+          <a:ln>
+            <a:tailEnd type="triangle"/>
+          </a:ln>
+        </p:spPr>
+        <p:style>
+          <a:lnRef idx="3">
+            <a:schemeClr val="accent2"/>
+          </a:lnRef>
+          <a:fillRef idx="0">
+            <a:schemeClr val="accent2"/>
+          </a:fillRef>
+          <a:effectRef idx="2">
+            <a:schemeClr val="accent2"/>
+          </a:effectRef>
+          <a:fontRef idx="minor">
+            <a:schemeClr val="tx1"/>
+          </a:fontRef>
+        </p:style>
+      </p:cxnSp>
+      <p:cxnSp>
+        <p:nvCxnSpPr>
+          <p:cNvPr id="126" name="Connector: Elbow 125">
+            <a:extLst>
+              <a:ext uri="{FF2B5EF4-FFF2-40B4-BE49-F238E27FC236}">
+                <a16:creationId xmlns:a16="http://schemas.microsoft.com/office/drawing/2014/main" id="{2AE7AB93-108E-472F-939E-E0F1943E0400}"/>
+              </a:ext>
+            </a:extLst>
+          </p:cNvPr>
+          <p:cNvCxnSpPr>
+            <a:cxnSpLocks/>
+            <a:stCxn id="33" idx="1"/>
+            <a:endCxn id="32" idx="1"/>
+          </p:cNvCxnSpPr>
+          <p:nvPr/>
+        </p:nvCxnSpPr>
+        <p:spPr>
+          <a:xfrm rot="10800000" flipH="1">
+            <a:off x="4283153" y="642623"/>
+            <a:ext cx="2" cy="3771996"/>
+          </a:xfrm>
+          <a:prstGeom prst="bentConnector3">
+            <a:avLst>
+              <a:gd name="adj1" fmla="val -11430000000"/>
+            </a:avLst>
+          </a:prstGeom>
+          <a:ln>
+            <a:tailEnd type="triangle"/>
+          </a:ln>
+        </p:spPr>
+        <p:style>
+          <a:lnRef idx="3">
+            <a:schemeClr val="accent2"/>
+          </a:lnRef>
+          <a:fillRef idx="0">
+            <a:schemeClr val="accent2"/>
+          </a:fillRef>
+          <a:effectRef idx="2">
+            <a:schemeClr val="accent2"/>
+          </a:effectRef>
+          <a:fontRef idx="minor">
+            <a:schemeClr val="tx1"/>
+          </a:fontRef>
+        </p:style>
+      </p:cxnSp>
+      <p:cxnSp>
+        <p:nvCxnSpPr>
+          <p:cNvPr id="129" name="Connector: Elbow 128">
+            <a:extLst>
+              <a:ext uri="{FF2B5EF4-FFF2-40B4-BE49-F238E27FC236}">
+                <a16:creationId xmlns:a16="http://schemas.microsoft.com/office/drawing/2014/main" id="{5E7EFBEC-31C7-4684-99B6-04FDA170CD5E}"/>
+              </a:ext>
+            </a:extLst>
+          </p:cNvPr>
+          <p:cNvCxnSpPr>
+            <a:cxnSpLocks/>
+            <a:stCxn id="35" idx="1"/>
+            <a:endCxn id="32" idx="1"/>
+          </p:cNvCxnSpPr>
+          <p:nvPr/>
+        </p:nvCxnSpPr>
+        <p:spPr>
+          <a:xfrm rot="10800000" flipH="1">
+            <a:off x="4283153" y="642623"/>
+            <a:ext cx="1" cy="2514664"/>
+          </a:xfrm>
+          <a:prstGeom prst="bentConnector3">
+            <a:avLst>
+              <a:gd name="adj1" fmla="val -22860000000"/>
+            </a:avLst>
+          </a:prstGeom>
+          <a:ln>
+            <a:tailEnd type="triangle"/>
+          </a:ln>
+        </p:spPr>
+        <p:style>
+          <a:lnRef idx="3">
+            <a:schemeClr val="accent2"/>
+          </a:lnRef>
+          <a:fillRef idx="0">
+            <a:schemeClr val="accent2"/>
+          </a:fillRef>
+          <a:effectRef idx="2">
+            <a:schemeClr val="accent2"/>
+          </a:effectRef>
+          <a:fontRef idx="minor">
+            <a:schemeClr val="tx1"/>
+          </a:fontRef>
+        </p:style>
+      </p:cxnSp>
+      <p:cxnSp>
+        <p:nvCxnSpPr>
+          <p:cNvPr id="133" name="Connector: Elbow 132">
+            <a:extLst>
+              <a:ext uri="{FF2B5EF4-FFF2-40B4-BE49-F238E27FC236}">
+                <a16:creationId xmlns:a16="http://schemas.microsoft.com/office/drawing/2014/main" id="{06AAD072-241B-4EA3-B1CB-4A2EDAB1D19F}"/>
+              </a:ext>
+            </a:extLst>
+          </p:cNvPr>
+          <p:cNvCxnSpPr>
+            <a:cxnSpLocks/>
+            <a:stCxn id="34" idx="1"/>
+            <a:endCxn id="32" idx="1"/>
+          </p:cNvCxnSpPr>
+          <p:nvPr/>
+        </p:nvCxnSpPr>
+        <p:spPr>
+          <a:xfrm rot="10800000">
+            <a:off x="4283155" y="642623"/>
+            <a:ext cx="12700" cy="1257332"/>
+          </a:xfrm>
+          <a:prstGeom prst="bentConnector3">
+            <a:avLst>
+              <a:gd name="adj1" fmla="val 1800000"/>
+            </a:avLst>
+          </a:prstGeom>
+          <a:ln>
+            <a:tailEnd type="triangle"/>
+          </a:ln>
+        </p:spPr>
+        <p:style>
+          <a:lnRef idx="3">
+            <a:schemeClr val="accent2"/>
+          </a:lnRef>
+          <a:fillRef idx="0">
+            <a:schemeClr val="accent2"/>
+          </a:fillRef>
+          <a:effectRef idx="2">
+            <a:schemeClr val="accent2"/>
+          </a:effectRef>
+          <a:fontRef idx="minor">
+            <a:schemeClr val="tx1"/>
+          </a:fontRef>
+        </p:style>
+      </p:cxnSp>
+    </p:spTree>
+    <p:extLst>
+      <p:ext uri="{BB962C8B-B14F-4D97-AF65-F5344CB8AC3E}">
+        <p14:creationId xmlns:p14="http://schemas.microsoft.com/office/powerpoint/2010/main" val="3948392156"/>
+      </p:ext>
+    </p:extLst>
+  </p:cSld>
+  <p:clrMapOvr>
+    <a:masterClrMapping/>
+  </p:clrMapOvr>
+</p:sld>
+</file>
+
 <file path=ppt/theme/theme1.xml><?xml version="1.0" encoding="utf-8"?>
 <a:theme xmlns:a="http://schemas.openxmlformats.org/drawingml/2006/main" name="Office Theme">
   <a:themeElements>
@@ -8573,6 +9210,21 @@
 </file>
 
 <file path=customXml/item1.xml><?xml version="1.0" encoding="utf-8"?>
+<p:properties xmlns:p="http://schemas.microsoft.com/office/2006/metadata/properties" xmlns:xsi="http://www.w3.org/2001/XMLSchema-instance" xmlns:pc="http://schemas.microsoft.com/office/infopath/2007/PartnerControls">
+  <documentManagement/>
+</p:properties>
+</file>
+
+<file path=customXml/item2.xml><?xml version="1.0" encoding="utf-8"?>
+<?mso-contentType ?>
+<FormTemplates xmlns="http://schemas.microsoft.com/sharepoint/v3/contenttype/forms">
+  <Display>DocumentLibraryForm</Display>
+  <Edit>DocumentLibraryForm</Edit>
+  <New>DocumentLibraryForm</New>
+</FormTemplates>
+</file>
+
+<file path=customXml/item3.xml><?xml version="1.0" encoding="utf-8"?>
 <ct:contentTypeSchema xmlns:ct="http://schemas.microsoft.com/office/2006/metadata/contentType" xmlns:ma="http://schemas.microsoft.com/office/2006/metadata/properties/metaAttributes" ct:_="" ma:_="" ma:contentTypeName="Document" ma:contentTypeID="0x010100E224E99E7DC3BB469D3F14447AE245CD" ma:contentTypeVersion="9" ma:contentTypeDescription="Create a new document." ma:contentTypeScope="" ma:versionID="b8e39701e7c6ba685dbc9d868bd65b5a">
   <xsd:schema xmlns:xsd="http://www.w3.org/2001/XMLSchema" xmlns:xs="http://www.w3.org/2001/XMLSchema" xmlns:p="http://schemas.microsoft.com/office/2006/metadata/properties" xmlns:ns3="362e1f2e-39d1-4803-9463-584d121148bd" xmlns:ns4="2bea9353-b844-4dcd-8b69-090ec3cc9b4f" targetNamespace="http://schemas.microsoft.com/office/2006/metadata/properties" ma:root="true" ma:fieldsID="c2d40846d51e75967d4561ec7d7f8596" ns3:_="" ns4:_="">
     <xsd:import namespace="362e1f2e-39d1-4803-9463-584d121148bd"/>
@@ -8767,22 +9419,32 @@
 </ct:contentTypeSchema>
 </file>
 
-<file path=customXml/item2.xml><?xml version="1.0" encoding="utf-8"?>
-<?mso-contentType ?>
-<FormTemplates xmlns="http://schemas.microsoft.com/sharepoint/v3/contenttype/forms">
-  <Display>DocumentLibraryForm</Display>
-  <Edit>DocumentLibraryForm</Edit>
-  <New>DocumentLibraryForm</New>
-</FormTemplates>
+<file path=customXml/itemProps1.xml><?xml version="1.0" encoding="utf-8"?>
+<ds:datastoreItem xmlns:ds="http://schemas.openxmlformats.org/officeDocument/2006/customXml" ds:itemID="{0F0B92F5-81A3-4609-A0FD-2C287A55E174}">
+  <ds:schemaRefs>
+    <ds:schemaRef ds:uri="362e1f2e-39d1-4803-9463-584d121148bd"/>
+    <ds:schemaRef ds:uri="http://purl.org/dc/elements/1.1/"/>
+    <ds:schemaRef ds:uri="http://schemas.openxmlformats.org/package/2006/metadata/core-properties"/>
+    <ds:schemaRef ds:uri="http://purl.org/dc/terms/"/>
+    <ds:schemaRef ds:uri="http://www.w3.org/XML/1998/namespace"/>
+    <ds:schemaRef ds:uri="http://schemas.microsoft.com/office/2006/documentManagement/types"/>
+    <ds:schemaRef ds:uri="http://purl.org/dc/dcmitype/"/>
+    <ds:schemaRef ds:uri="http://schemas.microsoft.com/office/2006/metadata/properties"/>
+    <ds:schemaRef ds:uri="http://schemas.microsoft.com/office/infopath/2007/PartnerControls"/>
+    <ds:schemaRef ds:uri="2bea9353-b844-4dcd-8b69-090ec3cc9b4f"/>
+  </ds:schemaRefs>
+</ds:datastoreItem>
 </file>
 
-<file path=customXml/item3.xml><?xml version="1.0" encoding="utf-8"?>
-<p:properties xmlns:p="http://schemas.microsoft.com/office/2006/metadata/properties" xmlns:xsi="http://www.w3.org/2001/XMLSchema-instance" xmlns:pc="http://schemas.microsoft.com/office/infopath/2007/PartnerControls">
-  <documentManagement/>
-</p:properties>
+<file path=customXml/itemProps2.xml><?xml version="1.0" encoding="utf-8"?>
+<ds:datastoreItem xmlns:ds="http://schemas.openxmlformats.org/officeDocument/2006/customXml" ds:itemID="{CC2DDB17-EB18-438E-B806-E520BC23A934}">
+  <ds:schemaRefs>
+    <ds:schemaRef ds:uri="http://schemas.microsoft.com/sharepoint/v3/contenttype/forms"/>
+  </ds:schemaRefs>
+</ds:datastoreItem>
 </file>
 
-<file path=customXml/itemProps1.xml><?xml version="1.0" encoding="utf-8"?>
+<file path=customXml/itemProps3.xml><?xml version="1.0" encoding="utf-8"?>
 <ds:datastoreItem xmlns:ds="http://schemas.openxmlformats.org/officeDocument/2006/customXml" ds:itemID="{796D21F3-3771-4EBD-953F-243D1F15194B}">
   <ds:schemaRefs>
     <ds:schemaRef ds:uri="http://schemas.microsoft.com/office/2006/metadata/contentType"/>
@@ -8799,29 +9461,4 @@
     <ds:schemaRef ds:uri="http://schemas.microsoft.com/internal/obd"/>
   </ds:schemaRefs>
 </ds:datastoreItem>
-</file>
-
-<file path=customXml/itemProps2.xml><?xml version="1.0" encoding="utf-8"?>
-<ds:datastoreItem xmlns:ds="http://schemas.openxmlformats.org/officeDocument/2006/customXml" ds:itemID="{CC2DDB17-EB18-438E-B806-E520BC23A934}">
-  <ds:schemaRefs>
-    <ds:schemaRef ds:uri="http://schemas.microsoft.com/sharepoint/v3/contenttype/forms"/>
-  </ds:schemaRefs>
-</ds:datastoreItem>
-</file>
-
-<file path=customXml/itemProps3.xml><?xml version="1.0" encoding="utf-8"?>
-<ds:datastoreItem xmlns:ds="http://schemas.openxmlformats.org/officeDocument/2006/customXml" ds:itemID="{0F0B92F5-81A3-4609-A0FD-2C287A55E174}">
-  <ds:schemaRefs>
-    <ds:schemaRef ds:uri="362e1f2e-39d1-4803-9463-584d121148bd"/>
-    <ds:schemaRef ds:uri="http://purl.org/dc/elements/1.1/"/>
-    <ds:schemaRef ds:uri="http://schemas.openxmlformats.org/package/2006/metadata/core-properties"/>
-    <ds:schemaRef ds:uri="http://purl.org/dc/terms/"/>
-    <ds:schemaRef ds:uri="http://www.w3.org/XML/1998/namespace"/>
-    <ds:schemaRef ds:uri="http://schemas.microsoft.com/office/2006/documentManagement/types"/>
-    <ds:schemaRef ds:uri="http://purl.org/dc/dcmitype/"/>
-    <ds:schemaRef ds:uri="http://schemas.microsoft.com/office/2006/metadata/properties"/>
-    <ds:schemaRef ds:uri="http://schemas.microsoft.com/office/infopath/2007/PartnerControls"/>
-    <ds:schemaRef ds:uri="2bea9353-b844-4dcd-8b69-090ec3cc9b4f"/>
-  </ds:schemaRefs>
-</ds:datastoreItem>
 </file>